--- a/Материалы/Prezentatsia_k_kursovomu_proektu (1).pptx
+++ b/Материалы/Prezentatsia_k_kursovomu_proektu (1).pptx
@@ -7,20 +7,9 @@
   <p:sldIdLst>
     <p:sldId id="256" r:id="rId2"/>
     <p:sldId id="257" r:id="rId3"/>
-    <p:sldId id="269" r:id="rId4"/>
-    <p:sldId id="271" r:id="rId5"/>
-    <p:sldId id="272" r:id="rId6"/>
-    <p:sldId id="270" r:id="rId7"/>
-    <p:sldId id="273" r:id="rId8"/>
-    <p:sldId id="268" r:id="rId9"/>
-    <p:sldId id="274" r:id="rId10"/>
-    <p:sldId id="261" r:id="rId11"/>
-    <p:sldId id="260" r:id="rId12"/>
-    <p:sldId id="262" r:id="rId13"/>
-    <p:sldId id="263" r:id="rId14"/>
-    <p:sldId id="275" r:id="rId15"/>
-    <p:sldId id="266" r:id="rId16"/>
-    <p:sldId id="267" r:id="rId17"/>
+    <p:sldId id="270" r:id="rId4"/>
+    <p:sldId id="274" r:id="rId5"/>
+    <p:sldId id="267" r:id="rId6"/>
   </p:sldIdLst>
   <p:sldSz cx="12192000" cy="6858000"/>
   <p:notesSz cx="6858000" cy="9144000"/>
@@ -256,7 +245,7 @@
           <a:p>
             <a:fld id="{29F4B57B-1444-4D1D-A91C-A41998AB2002}" type="datetimeFigureOut">
               <a:rPr lang="ru-RU" smtClean="0"/>
-              <a:t>23.12.2022</a:t>
+              <a:t>25.12.2022</a:t>
             </a:fld>
             <a:endParaRPr lang="ru-RU"/>
           </a:p>
@@ -424,7 +413,7 @@
           <a:p>
             <a:fld id="{29F4B57B-1444-4D1D-A91C-A41998AB2002}" type="datetimeFigureOut">
               <a:rPr lang="ru-RU" smtClean="0"/>
-              <a:t>23.12.2022</a:t>
+              <a:t>25.12.2022</a:t>
             </a:fld>
             <a:endParaRPr lang="ru-RU"/>
           </a:p>
@@ -602,7 +591,7 @@
           <a:p>
             <a:fld id="{29F4B57B-1444-4D1D-A91C-A41998AB2002}" type="datetimeFigureOut">
               <a:rPr lang="ru-RU" smtClean="0"/>
-              <a:t>23.12.2022</a:t>
+              <a:t>25.12.2022</a:t>
             </a:fld>
             <a:endParaRPr lang="ru-RU"/>
           </a:p>
@@ -770,7 +759,7 @@
           <a:p>
             <a:fld id="{29F4B57B-1444-4D1D-A91C-A41998AB2002}" type="datetimeFigureOut">
               <a:rPr lang="ru-RU" smtClean="0"/>
-              <a:t>23.12.2022</a:t>
+              <a:t>25.12.2022</a:t>
             </a:fld>
             <a:endParaRPr lang="ru-RU"/>
           </a:p>
@@ -1015,7 +1004,7 @@
           <a:p>
             <a:fld id="{29F4B57B-1444-4D1D-A91C-A41998AB2002}" type="datetimeFigureOut">
               <a:rPr lang="ru-RU" smtClean="0"/>
-              <a:t>23.12.2022</a:t>
+              <a:t>25.12.2022</a:t>
             </a:fld>
             <a:endParaRPr lang="ru-RU"/>
           </a:p>
@@ -1244,7 +1233,7 @@
           <a:p>
             <a:fld id="{29F4B57B-1444-4D1D-A91C-A41998AB2002}" type="datetimeFigureOut">
               <a:rPr lang="ru-RU" smtClean="0"/>
-              <a:t>23.12.2022</a:t>
+              <a:t>25.12.2022</a:t>
             </a:fld>
             <a:endParaRPr lang="ru-RU"/>
           </a:p>
@@ -1608,7 +1597,7 @@
           <a:p>
             <a:fld id="{29F4B57B-1444-4D1D-A91C-A41998AB2002}" type="datetimeFigureOut">
               <a:rPr lang="ru-RU" smtClean="0"/>
-              <a:t>23.12.2022</a:t>
+              <a:t>25.12.2022</a:t>
             </a:fld>
             <a:endParaRPr lang="ru-RU"/>
           </a:p>
@@ -1725,7 +1714,7 @@
           <a:p>
             <a:fld id="{29F4B57B-1444-4D1D-A91C-A41998AB2002}" type="datetimeFigureOut">
               <a:rPr lang="ru-RU" smtClean="0"/>
-              <a:t>23.12.2022</a:t>
+              <a:t>25.12.2022</a:t>
             </a:fld>
             <a:endParaRPr lang="ru-RU"/>
           </a:p>
@@ -1820,7 +1809,7 @@
           <a:p>
             <a:fld id="{29F4B57B-1444-4D1D-A91C-A41998AB2002}" type="datetimeFigureOut">
               <a:rPr lang="ru-RU" smtClean="0"/>
-              <a:t>23.12.2022</a:t>
+              <a:t>25.12.2022</a:t>
             </a:fld>
             <a:endParaRPr lang="ru-RU"/>
           </a:p>
@@ -2095,7 +2084,7 @@
           <a:p>
             <a:fld id="{29F4B57B-1444-4D1D-A91C-A41998AB2002}" type="datetimeFigureOut">
               <a:rPr lang="ru-RU" smtClean="0"/>
-              <a:t>23.12.2022</a:t>
+              <a:t>25.12.2022</a:t>
             </a:fld>
             <a:endParaRPr lang="ru-RU"/>
           </a:p>
@@ -2347,7 +2336,7 @@
           <a:p>
             <a:fld id="{29F4B57B-1444-4D1D-A91C-A41998AB2002}" type="datetimeFigureOut">
               <a:rPr lang="ru-RU" smtClean="0"/>
-              <a:t>23.12.2022</a:t>
+              <a:t>25.12.2022</a:t>
             </a:fld>
             <a:endParaRPr lang="ru-RU"/>
           </a:p>
@@ -2558,7 +2547,7 @@
           <a:p>
             <a:fld id="{29F4B57B-1444-4D1D-A91C-A41998AB2002}" type="datetimeFigureOut">
               <a:rPr lang="ru-RU" smtClean="0"/>
-              <a:t>23.12.2022</a:t>
+              <a:t>25.12.2022</a:t>
             </a:fld>
             <a:endParaRPr lang="ru-RU"/>
           </a:p>
@@ -3040,595 +3029,6 @@
 </p:sld>
 </file>
 
-<file path=ppt/slides/slide10.xml><?xml version="1.0" encoding="utf-8"?>
-<p:sld xmlns:a="http://schemas.openxmlformats.org/drawingml/2006/main" xmlns:r="http://schemas.openxmlformats.org/officeDocument/2006/relationships" xmlns:p="http://schemas.openxmlformats.org/presentationml/2006/main">
-  <p:cSld>
-    <p:spTree>
-      <p:nvGrpSpPr>
-        <p:cNvPr id="1" name=""/>
-        <p:cNvGrpSpPr/>
-        <p:nvPr/>
-      </p:nvGrpSpPr>
-      <p:grpSpPr>
-        <a:xfrm>
-          <a:off x="0" y="0"/>
-          <a:ext cx="0" cy="0"/>
-          <a:chOff x="0" y="0"/>
-          <a:chExt cx="0" cy="0"/>
-        </a:xfrm>
-      </p:grpSpPr>
-      <p:sp>
-        <p:nvSpPr>
-          <p:cNvPr id="2" name="Заголовок 1"/>
-          <p:cNvSpPr>
-            <a:spLocks noGrp="1"/>
-          </p:cNvSpPr>
-          <p:nvPr>
-            <p:ph type="title"/>
-          </p:nvPr>
-        </p:nvSpPr>
-        <p:spPr>
-          <a:xfrm>
-            <a:off x="838200" y="0"/>
-            <a:ext cx="10515600" cy="1325563"/>
-          </a:xfrm>
-        </p:spPr>
-        <p:txBody>
-          <a:bodyPr/>
-          <a:lstStyle/>
-          <a:p>
-            <a:r>
-              <a:rPr lang="ru-RU" dirty="0"/>
-              <a:t>Вид приложения при запуске</a:t>
-            </a:r>
-          </a:p>
-        </p:txBody>
-      </p:sp>
-      <p:pic>
-        <p:nvPicPr>
-          <p:cNvPr id="3" name="Рисунок 2"/>
-          <p:cNvPicPr>
-            <a:picLocks noChangeAspect="1"/>
-          </p:cNvPicPr>
-          <p:nvPr/>
-        </p:nvPicPr>
-        <p:blipFill>
-          <a:blip r:embed="rId2"/>
-          <a:stretch>
-            <a:fillRect/>
-          </a:stretch>
-        </p:blipFill>
-        <p:spPr>
-          <a:xfrm>
-            <a:off x="1632516" y="1325563"/>
-            <a:ext cx="8926967" cy="5281789"/>
-          </a:xfrm>
-          <a:prstGeom prst="rect">
-            <a:avLst/>
-          </a:prstGeom>
-        </p:spPr>
-      </p:pic>
-    </p:spTree>
-    <p:extLst>
-      <p:ext uri="{BB962C8B-B14F-4D97-AF65-F5344CB8AC3E}">
-        <p14:creationId xmlns:p14="http://schemas.microsoft.com/office/powerpoint/2010/main" val="4258353427"/>
-      </p:ext>
-    </p:extLst>
-  </p:cSld>
-  <p:clrMapOvr>
-    <a:masterClrMapping/>
-  </p:clrMapOvr>
-</p:sld>
-</file>
-
-<file path=ppt/slides/slide11.xml><?xml version="1.0" encoding="utf-8"?>
-<p:sld xmlns:a="http://schemas.openxmlformats.org/drawingml/2006/main" xmlns:r="http://schemas.openxmlformats.org/officeDocument/2006/relationships" xmlns:p="http://schemas.openxmlformats.org/presentationml/2006/main">
-  <p:cSld>
-    <p:spTree>
-      <p:nvGrpSpPr>
-        <p:cNvPr id="1" name=""/>
-        <p:cNvGrpSpPr/>
-        <p:nvPr/>
-      </p:nvGrpSpPr>
-      <p:grpSpPr>
-        <a:xfrm>
-          <a:off x="0" y="0"/>
-          <a:ext cx="0" cy="0"/>
-          <a:chOff x="0" y="0"/>
-          <a:chExt cx="0" cy="0"/>
-        </a:xfrm>
-      </p:grpSpPr>
-      <p:sp>
-        <p:nvSpPr>
-          <p:cNvPr id="2" name="Заголовок 1"/>
-          <p:cNvSpPr>
-            <a:spLocks noGrp="1"/>
-          </p:cNvSpPr>
-          <p:nvPr>
-            <p:ph type="title"/>
-          </p:nvPr>
-        </p:nvSpPr>
-        <p:spPr>
-          <a:xfrm>
-            <a:off x="838200" y="0"/>
-            <a:ext cx="10515600" cy="1325563"/>
-          </a:xfrm>
-        </p:spPr>
-        <p:txBody>
-          <a:bodyPr/>
-          <a:lstStyle/>
-          <a:p>
-            <a:r>
-              <a:rPr lang="ru-RU" dirty="0"/>
-              <a:t>Вид панели администратора</a:t>
-            </a:r>
-          </a:p>
-        </p:txBody>
-      </p:sp>
-      <p:pic>
-        <p:nvPicPr>
-          <p:cNvPr id="6" name="Рисунок 5"/>
-          <p:cNvPicPr/>
-          <p:nvPr/>
-        </p:nvPicPr>
-        <p:blipFill>
-          <a:blip r:embed="rId2"/>
-          <a:stretch>
-            <a:fillRect/>
-          </a:stretch>
-        </p:blipFill>
-        <p:spPr>
-          <a:xfrm>
-            <a:off x="1626230" y="1325563"/>
-            <a:ext cx="8939540" cy="5289726"/>
-          </a:xfrm>
-          <a:prstGeom prst="rect">
-            <a:avLst/>
-          </a:prstGeom>
-        </p:spPr>
-      </p:pic>
-    </p:spTree>
-    <p:extLst>
-      <p:ext uri="{BB962C8B-B14F-4D97-AF65-F5344CB8AC3E}">
-        <p14:creationId xmlns:p14="http://schemas.microsoft.com/office/powerpoint/2010/main" val="2372967125"/>
-      </p:ext>
-    </p:extLst>
-  </p:cSld>
-  <p:clrMapOvr>
-    <a:masterClrMapping/>
-  </p:clrMapOvr>
-</p:sld>
-</file>
-
-<file path=ppt/slides/slide12.xml><?xml version="1.0" encoding="utf-8"?>
-<p:sld xmlns:a="http://schemas.openxmlformats.org/drawingml/2006/main" xmlns:r="http://schemas.openxmlformats.org/officeDocument/2006/relationships" xmlns:p="http://schemas.openxmlformats.org/presentationml/2006/main">
-  <p:cSld>
-    <p:spTree>
-      <p:nvGrpSpPr>
-        <p:cNvPr id="1" name=""/>
-        <p:cNvGrpSpPr/>
-        <p:nvPr/>
-      </p:nvGrpSpPr>
-      <p:grpSpPr>
-        <a:xfrm>
-          <a:off x="0" y="0"/>
-          <a:ext cx="0" cy="0"/>
-          <a:chOff x="0" y="0"/>
-          <a:chExt cx="0" cy="0"/>
-        </a:xfrm>
-      </p:grpSpPr>
-      <p:sp>
-        <p:nvSpPr>
-          <p:cNvPr id="2" name="Заголовок 1"/>
-          <p:cNvSpPr>
-            <a:spLocks noGrp="1"/>
-          </p:cNvSpPr>
-          <p:nvPr>
-            <p:ph type="title"/>
-          </p:nvPr>
-        </p:nvSpPr>
-        <p:spPr>
-          <a:xfrm>
-            <a:off x="838200" y="0"/>
-            <a:ext cx="10515600" cy="1325563"/>
-          </a:xfrm>
-        </p:spPr>
-        <p:txBody>
-          <a:bodyPr/>
-          <a:lstStyle/>
-          <a:p>
-            <a:r>
-              <a:rPr lang="ru-RU" dirty="0"/>
-              <a:t>Вид окна авторизации</a:t>
-            </a:r>
-          </a:p>
-        </p:txBody>
-      </p:sp>
-      <p:pic>
-        <p:nvPicPr>
-          <p:cNvPr id="5" name="Рисунок 4"/>
-          <p:cNvPicPr/>
-          <p:nvPr/>
-        </p:nvPicPr>
-        <p:blipFill>
-          <a:blip r:embed="rId2"/>
-          <a:stretch>
-            <a:fillRect/>
-          </a:stretch>
-        </p:blipFill>
-        <p:spPr>
-          <a:xfrm>
-            <a:off x="1638597" y="1325563"/>
-            <a:ext cx="8914805" cy="5274252"/>
-          </a:xfrm>
-          <a:prstGeom prst="rect">
-            <a:avLst/>
-          </a:prstGeom>
-        </p:spPr>
-      </p:pic>
-    </p:spTree>
-    <p:extLst>
-      <p:ext uri="{BB962C8B-B14F-4D97-AF65-F5344CB8AC3E}">
-        <p14:creationId xmlns:p14="http://schemas.microsoft.com/office/powerpoint/2010/main" val="4085286511"/>
-      </p:ext>
-    </p:extLst>
-  </p:cSld>
-  <p:clrMapOvr>
-    <a:masterClrMapping/>
-  </p:clrMapOvr>
-</p:sld>
-</file>
-
-<file path=ppt/slides/slide13.xml><?xml version="1.0" encoding="utf-8"?>
-<p:sld xmlns:a="http://schemas.openxmlformats.org/drawingml/2006/main" xmlns:r="http://schemas.openxmlformats.org/officeDocument/2006/relationships" xmlns:p="http://schemas.openxmlformats.org/presentationml/2006/main">
-  <p:cSld>
-    <p:spTree>
-      <p:nvGrpSpPr>
-        <p:cNvPr id="1" name=""/>
-        <p:cNvGrpSpPr/>
-        <p:nvPr/>
-      </p:nvGrpSpPr>
-      <p:grpSpPr>
-        <a:xfrm>
-          <a:off x="0" y="0"/>
-          <a:ext cx="0" cy="0"/>
-          <a:chOff x="0" y="0"/>
-          <a:chExt cx="0" cy="0"/>
-        </a:xfrm>
-      </p:grpSpPr>
-      <p:sp>
-        <p:nvSpPr>
-          <p:cNvPr id="2" name="Заголовок 1"/>
-          <p:cNvSpPr>
-            <a:spLocks noGrp="1"/>
-          </p:cNvSpPr>
-          <p:nvPr>
-            <p:ph type="title"/>
-          </p:nvPr>
-        </p:nvSpPr>
-        <p:spPr>
-          <a:xfrm>
-            <a:off x="838200" y="0"/>
-            <a:ext cx="10515600" cy="1325563"/>
-          </a:xfrm>
-        </p:spPr>
-        <p:txBody>
-          <a:bodyPr/>
-          <a:lstStyle/>
-          <a:p>
-            <a:r>
-              <a:rPr lang="ru-RU" dirty="0"/>
-              <a:t>Вид окна регистрации</a:t>
-            </a:r>
-          </a:p>
-        </p:txBody>
-      </p:sp>
-      <p:pic>
-        <p:nvPicPr>
-          <p:cNvPr id="7" name="Рисунок 6"/>
-          <p:cNvPicPr>
-            <a:picLocks noChangeAspect="1"/>
-          </p:cNvPicPr>
-          <p:nvPr/>
-        </p:nvPicPr>
-        <p:blipFill>
-          <a:blip r:embed="rId2"/>
-          <a:stretch>
-            <a:fillRect/>
-          </a:stretch>
-        </p:blipFill>
-        <p:spPr>
-          <a:xfrm>
-            <a:off x="1643874" y="1325563"/>
-            <a:ext cx="8904252" cy="5268349"/>
-          </a:xfrm>
-          <a:prstGeom prst="rect">
-            <a:avLst/>
-          </a:prstGeom>
-        </p:spPr>
-      </p:pic>
-    </p:spTree>
-    <p:extLst>
-      <p:ext uri="{BB962C8B-B14F-4D97-AF65-F5344CB8AC3E}">
-        <p14:creationId xmlns:p14="http://schemas.microsoft.com/office/powerpoint/2010/main" val="3166673359"/>
-      </p:ext>
-    </p:extLst>
-  </p:cSld>
-  <p:clrMapOvr>
-    <a:masterClrMapping/>
-  </p:clrMapOvr>
-</p:sld>
-</file>
-
-<file path=ppt/slides/slide14.xml><?xml version="1.0" encoding="utf-8"?>
-<p:sld xmlns:a="http://schemas.openxmlformats.org/drawingml/2006/main" xmlns:r="http://schemas.openxmlformats.org/officeDocument/2006/relationships" xmlns:p="http://schemas.openxmlformats.org/presentationml/2006/main">
-  <p:cSld>
-    <p:spTree>
-      <p:nvGrpSpPr>
-        <p:cNvPr id="1" name=""/>
-        <p:cNvGrpSpPr/>
-        <p:nvPr/>
-      </p:nvGrpSpPr>
-      <p:grpSpPr>
-        <a:xfrm>
-          <a:off x="0" y="0"/>
-          <a:ext cx="0" cy="0"/>
-          <a:chOff x="0" y="0"/>
-          <a:chExt cx="0" cy="0"/>
-        </a:xfrm>
-      </p:grpSpPr>
-      <p:sp>
-        <p:nvSpPr>
-          <p:cNvPr id="2" name="Заголовок 1"/>
-          <p:cNvSpPr>
-            <a:spLocks noGrp="1"/>
-          </p:cNvSpPr>
-          <p:nvPr>
-            <p:ph type="title"/>
-          </p:nvPr>
-        </p:nvSpPr>
-        <p:spPr>
-          <a:xfrm>
-            <a:off x="838200" y="0"/>
-            <a:ext cx="10515600" cy="1325563"/>
-          </a:xfrm>
-        </p:spPr>
-        <p:txBody>
-          <a:bodyPr/>
-          <a:lstStyle/>
-          <a:p>
-            <a:r>
-              <a:rPr lang="ru-RU" dirty="0"/>
-              <a:t>Вид окна бронирования</a:t>
-            </a:r>
-          </a:p>
-        </p:txBody>
-      </p:sp>
-      <p:pic>
-        <p:nvPicPr>
-          <p:cNvPr id="4" name="Рисунок 3"/>
-          <p:cNvPicPr/>
-          <p:nvPr/>
-        </p:nvPicPr>
-        <p:blipFill>
-          <a:blip r:embed="rId2"/>
-          <a:stretch>
-            <a:fillRect/>
-          </a:stretch>
-        </p:blipFill>
-        <p:spPr>
-          <a:xfrm>
-            <a:off x="1637322" y="1325563"/>
-            <a:ext cx="8917355" cy="5275939"/>
-          </a:xfrm>
-          <a:prstGeom prst="rect">
-            <a:avLst/>
-          </a:prstGeom>
-        </p:spPr>
-      </p:pic>
-    </p:spTree>
-    <p:extLst>
-      <p:ext uri="{BB962C8B-B14F-4D97-AF65-F5344CB8AC3E}">
-        <p14:creationId xmlns:p14="http://schemas.microsoft.com/office/powerpoint/2010/main" val="3320090516"/>
-      </p:ext>
-    </p:extLst>
-  </p:cSld>
-  <p:clrMapOvr>
-    <a:masterClrMapping/>
-  </p:clrMapOvr>
-</p:sld>
-</file>
-
-<file path=ppt/slides/slide15.xml><?xml version="1.0" encoding="utf-8"?>
-<p:sld xmlns:a="http://schemas.openxmlformats.org/drawingml/2006/main" xmlns:r="http://schemas.openxmlformats.org/officeDocument/2006/relationships" xmlns:p="http://schemas.openxmlformats.org/presentationml/2006/main">
-  <p:cSld>
-    <p:spTree>
-      <p:nvGrpSpPr>
-        <p:cNvPr id="1" name=""/>
-        <p:cNvGrpSpPr/>
-        <p:nvPr/>
-      </p:nvGrpSpPr>
-      <p:grpSpPr>
-        <a:xfrm>
-          <a:off x="0" y="0"/>
-          <a:ext cx="0" cy="0"/>
-          <a:chOff x="0" y="0"/>
-          <a:chExt cx="0" cy="0"/>
-        </a:xfrm>
-      </p:grpSpPr>
-      <p:sp>
-        <p:nvSpPr>
-          <p:cNvPr id="2" name="Заголовок 1"/>
-          <p:cNvSpPr>
-            <a:spLocks noGrp="1"/>
-          </p:cNvSpPr>
-          <p:nvPr>
-            <p:ph type="title"/>
-          </p:nvPr>
-        </p:nvSpPr>
-        <p:spPr>
-          <a:xfrm>
-            <a:off x="838200" y="0"/>
-            <a:ext cx="10515600" cy="1325563"/>
-          </a:xfrm>
-        </p:spPr>
-        <p:txBody>
-          <a:bodyPr/>
-          <a:lstStyle/>
-          <a:p>
-            <a:r>
-              <a:rPr lang="ru-RU" dirty="0"/>
-              <a:t>Содержание документации</a:t>
-            </a:r>
-          </a:p>
-        </p:txBody>
-      </p:sp>
-      <p:sp>
-        <p:nvSpPr>
-          <p:cNvPr id="3" name="Объект 2"/>
-          <p:cNvSpPr>
-            <a:spLocks noGrp="1"/>
-          </p:cNvSpPr>
-          <p:nvPr>
-            <p:ph idx="1"/>
-          </p:nvPr>
-        </p:nvSpPr>
-        <p:spPr/>
-        <p:txBody>
-          <a:bodyPr/>
-          <a:lstStyle/>
-          <a:p>
-            <a:r>
-              <a:rPr lang="ru-RU" dirty="0"/>
-              <a:t>Тестирование и отладка приложения</a:t>
-            </a:r>
-          </a:p>
-          <a:p>
-            <a:r>
-              <a:rPr lang="ru-RU" dirty="0"/>
-              <a:t>Инструкция администратора базы данных</a:t>
-            </a:r>
-          </a:p>
-          <a:p>
-            <a:r>
-              <a:rPr lang="ru-RU" dirty="0"/>
-              <a:t>Инструкция по эксплуатации приложения</a:t>
-            </a:r>
-          </a:p>
-          <a:p>
-            <a:pPr marL="0" indent="0">
-              <a:buNone/>
-            </a:pPr>
-            <a:endParaRPr lang="ru-RU" dirty="0"/>
-          </a:p>
-        </p:txBody>
-      </p:sp>
-    </p:spTree>
-    <p:extLst>
-      <p:ext uri="{BB962C8B-B14F-4D97-AF65-F5344CB8AC3E}">
-        <p14:creationId xmlns:p14="http://schemas.microsoft.com/office/powerpoint/2010/main" val="2724603210"/>
-      </p:ext>
-    </p:extLst>
-  </p:cSld>
-  <p:clrMapOvr>
-    <a:masterClrMapping/>
-  </p:clrMapOvr>
-</p:sld>
-</file>
-
-<file path=ppt/slides/slide16.xml><?xml version="1.0" encoding="utf-8"?>
-<p:sld xmlns:a="http://schemas.openxmlformats.org/drawingml/2006/main" xmlns:r="http://schemas.openxmlformats.org/officeDocument/2006/relationships" xmlns:p="http://schemas.openxmlformats.org/presentationml/2006/main">
-  <p:cSld>
-    <p:spTree>
-      <p:nvGrpSpPr>
-        <p:cNvPr id="1" name=""/>
-        <p:cNvGrpSpPr/>
-        <p:nvPr/>
-      </p:nvGrpSpPr>
-      <p:grpSpPr>
-        <a:xfrm>
-          <a:off x="0" y="0"/>
-          <a:ext cx="0" cy="0"/>
-          <a:chOff x="0" y="0"/>
-          <a:chExt cx="0" cy="0"/>
-        </a:xfrm>
-      </p:grpSpPr>
-      <p:sp>
-        <p:nvSpPr>
-          <p:cNvPr id="2" name="Заголовок 1"/>
-          <p:cNvSpPr>
-            <a:spLocks noGrp="1"/>
-          </p:cNvSpPr>
-          <p:nvPr>
-            <p:ph type="title"/>
-          </p:nvPr>
-        </p:nvSpPr>
-        <p:spPr/>
-        <p:txBody>
-          <a:bodyPr/>
-          <a:lstStyle/>
-          <a:p>
-            <a:r>
-              <a:rPr lang="ru-RU" dirty="0"/>
-              <a:t>Достигнутые цели и задачи</a:t>
-            </a:r>
-          </a:p>
-        </p:txBody>
-      </p:sp>
-      <p:sp>
-        <p:nvSpPr>
-          <p:cNvPr id="3" name="Объект 2"/>
-          <p:cNvSpPr>
-            <a:spLocks noGrp="1"/>
-          </p:cNvSpPr>
-          <p:nvPr>
-            <p:ph idx="1"/>
-          </p:nvPr>
-        </p:nvSpPr>
-        <p:spPr/>
-        <p:txBody>
-          <a:bodyPr/>
-          <a:lstStyle/>
-          <a:p>
-            <a:r>
-              <a:rPr lang="ru-RU" dirty="0"/>
-              <a:t> Был разработан дизайн и макет приложения </a:t>
-            </a:r>
-          </a:p>
-          <a:p>
-            <a:pPr marL="342900" indent="-342900"/>
-            <a:r>
-              <a:rPr lang="ru-RU" dirty="0"/>
-              <a:t>Разработано клиент серверное приложение «Кинотеатр» с функциями бронирования и покупки билетов</a:t>
-            </a:r>
-          </a:p>
-          <a:p>
-            <a:pPr marL="342900" indent="-342900"/>
-            <a:r>
-              <a:rPr lang="ru-RU" dirty="0"/>
-              <a:t>Реализована панель администратора для администрирования </a:t>
-            </a:r>
-            <a:r>
-              <a:rPr lang="ru-RU"/>
-              <a:t>базы данных</a:t>
-            </a:r>
-            <a:endParaRPr lang="ru-RU" dirty="0"/>
-          </a:p>
-        </p:txBody>
-      </p:sp>
-    </p:spTree>
-    <p:extLst>
-      <p:ext uri="{BB962C8B-B14F-4D97-AF65-F5344CB8AC3E}">
-        <p14:creationId xmlns:p14="http://schemas.microsoft.com/office/powerpoint/2010/main" val="2139188012"/>
-      </p:ext>
-    </p:extLst>
-  </p:cSld>
-  <p:clrMapOvr>
-    <a:masterClrMapping/>
-  </p:clrMapOvr>
-</p:sld>
-</file>
-
 <file path=ppt/slides/slide2.xml><?xml version="1.0" encoding="utf-8"?>
 <p:sld xmlns:a="http://schemas.openxmlformats.org/drawingml/2006/main" xmlns:r="http://schemas.openxmlformats.org/officeDocument/2006/relationships" xmlns:p="http://schemas.openxmlformats.org/presentationml/2006/main">
   <p:cSld>
@@ -3730,729 +3130,6 @@
 </file>
 
 <file path=ppt/slides/slide3.xml><?xml version="1.0" encoding="utf-8"?>
-<p:sld xmlns:a="http://schemas.openxmlformats.org/drawingml/2006/main" xmlns:r="http://schemas.openxmlformats.org/officeDocument/2006/relationships" xmlns:p="http://schemas.openxmlformats.org/presentationml/2006/main">
-  <p:cSld>
-    <p:bg>
-      <p:bgPr>
-        <a:solidFill>
-          <a:schemeClr val="bg1"/>
-        </a:solidFill>
-        <a:effectLst/>
-      </p:bgPr>
-    </p:bg>
-    <p:spTree>
-      <p:nvGrpSpPr>
-        <p:cNvPr id="1" name=""/>
-        <p:cNvGrpSpPr/>
-        <p:nvPr/>
-      </p:nvGrpSpPr>
-      <p:grpSpPr>
-        <a:xfrm>
-          <a:off x="0" y="0"/>
-          <a:ext cx="0" cy="0"/>
-          <a:chOff x="0" y="0"/>
-          <a:chExt cx="0" cy="0"/>
-        </a:xfrm>
-      </p:grpSpPr>
-      <p:sp useBgFill="1">
-        <p:nvSpPr>
-          <p:cNvPr id="8" name="Rectangle 7">
-            <a:extLst>
-              <a:ext uri="{FF2B5EF4-FFF2-40B4-BE49-F238E27FC236}">
-                <a16:creationId xmlns:a16="http://schemas.microsoft.com/office/drawing/2014/main" id="{EB270761-CC40-4F3F-A916-7E3BC3989348}"/>
-              </a:ext>
-              <a:ext uri="{C183D7F6-B498-43B3-948B-1728B52AA6E4}">
-                <adec:decorative xmlns:adec="http://schemas.microsoft.com/office/drawing/2017/decorative" val="1"/>
-              </a:ext>
-            </a:extLst>
-          </p:cNvPr>
-          <p:cNvSpPr>
-            <a:spLocks noGrp="1" noRot="1" noChangeAspect="1" noMove="1" noResize="1" noEditPoints="1" noAdjustHandles="1" noChangeArrowheads="1" noChangeShapeType="1" noTextEdit="1"/>
-          </p:cNvSpPr>
-          <p:nvPr>
-            <p:extLst>
-              <p:ext uri="{386F3935-93C4-4BCD-93E2-E3B085C9AB24}">
-                <p16:designElem xmlns:p16="http://schemas.microsoft.com/office/powerpoint/2015/main" val="1"/>
-              </p:ext>
-            </p:extLst>
-          </p:nvPr>
-        </p:nvSpPr>
-        <p:spPr>
-          <a:xfrm>
-            <a:off x="-1" y="0"/>
-            <a:ext cx="12191695" cy="6858000"/>
-          </a:xfrm>
-          <a:prstGeom prst="rect">
-            <a:avLst/>
-          </a:prstGeom>
-          <a:ln>
-            <a:noFill/>
-          </a:ln>
-        </p:spPr>
-        <p:style>
-          <a:lnRef idx="2">
-            <a:schemeClr val="accent1">
-              <a:shade val="50000"/>
-            </a:schemeClr>
-          </a:lnRef>
-          <a:fillRef idx="1">
-            <a:schemeClr val="accent1"/>
-          </a:fillRef>
-          <a:effectRef idx="0">
-            <a:schemeClr val="accent1"/>
-          </a:effectRef>
-          <a:fontRef idx="minor">
-            <a:schemeClr val="lt1"/>
-          </a:fontRef>
-        </p:style>
-        <p:txBody>
-          <a:bodyPr rtlCol="0" anchor="ctr"/>
-          <a:lstStyle/>
-          <a:p>
-            <a:pPr algn="ctr"/>
-            <a:endParaRPr lang="en-US"/>
-          </a:p>
-        </p:txBody>
-      </p:sp>
-      <p:sp>
-        <p:nvSpPr>
-          <p:cNvPr id="2" name="Заголовок 1"/>
-          <p:cNvSpPr>
-            <a:spLocks noGrp="1"/>
-          </p:cNvSpPr>
-          <p:nvPr>
-            <p:ph type="title"/>
-          </p:nvPr>
-        </p:nvSpPr>
-        <p:spPr>
-          <a:xfrm>
-            <a:off x="1366160" y="4376508"/>
-            <a:ext cx="9623404" cy="1257202"/>
-          </a:xfrm>
-        </p:spPr>
-        <p:txBody>
-          <a:bodyPr vert="horz" lIns="91440" tIns="45720" rIns="91440" bIns="45720" rtlCol="0" anchor="b">
-            <a:normAutofit/>
-          </a:bodyPr>
-          <a:lstStyle/>
-          <a:p>
-            <a:r>
-              <a:rPr lang="en-US" sz="6100" kern="1200">
-                <a:solidFill>
-                  <a:schemeClr val="tx1"/>
-                </a:solidFill>
-                <a:latin typeface="+mj-lt"/>
-                <a:ea typeface="+mj-ea"/>
-                <a:cs typeface="+mj-cs"/>
-              </a:rPr>
-              <a:t>Первый этап нормализации</a:t>
-            </a:r>
-          </a:p>
-        </p:txBody>
-      </p:sp>
-      <p:sp>
-        <p:nvSpPr>
-          <p:cNvPr id="10" name="Rectangle 9">
-            <a:extLst>
-              <a:ext uri="{FF2B5EF4-FFF2-40B4-BE49-F238E27FC236}">
-                <a16:creationId xmlns:a16="http://schemas.microsoft.com/office/drawing/2014/main" id="{A2555B16-BE1D-4C33-A27C-FF0671B6C94C}"/>
-              </a:ext>
-              <a:ext uri="{C183D7F6-B498-43B3-948B-1728B52AA6E4}">
-                <adec:decorative xmlns:adec="http://schemas.microsoft.com/office/drawing/2017/decorative" val="1"/>
-              </a:ext>
-            </a:extLst>
-          </p:cNvPr>
-          <p:cNvSpPr>
-            <a:spLocks noGrp="1" noRot="1" noChangeAspect="1" noMove="1" noResize="1" noEditPoints="1" noAdjustHandles="1" noChangeArrowheads="1" noChangeShapeType="1" noTextEdit="1"/>
-          </p:cNvSpPr>
-          <p:nvPr>
-            <p:extLst>
-              <p:ext uri="{386F3935-93C4-4BCD-93E2-E3B085C9AB24}">
-                <p16:designElem xmlns:p16="http://schemas.microsoft.com/office/powerpoint/2015/main" val="1"/>
-              </p:ext>
-            </p:extLst>
-          </p:nvPr>
-        </p:nvSpPr>
-        <p:spPr>
-          <a:xfrm>
-            <a:off x="0" y="891540"/>
-            <a:ext cx="722376" cy="5071110"/>
-          </a:xfrm>
-          <a:prstGeom prst="rect">
-            <a:avLst/>
-          </a:prstGeom>
-          <a:solidFill>
-            <a:srgbClr val="4C5254"/>
-          </a:solidFill>
-          <a:ln>
-            <a:noFill/>
-          </a:ln>
-        </p:spPr>
-        <p:style>
-          <a:lnRef idx="2">
-            <a:schemeClr val="accent1">
-              <a:shade val="50000"/>
-            </a:schemeClr>
-          </a:lnRef>
-          <a:fillRef idx="1">
-            <a:schemeClr val="accent1"/>
-          </a:fillRef>
-          <a:effectRef idx="0">
-            <a:schemeClr val="accent1"/>
-          </a:effectRef>
-          <a:fontRef idx="minor">
-            <a:schemeClr val="lt1"/>
-          </a:fontRef>
-        </p:style>
-        <p:txBody>
-          <a:bodyPr rtlCol="0" anchor="ctr"/>
-          <a:lstStyle/>
-          <a:p>
-            <a:pPr algn="ctr"/>
-            <a:endParaRPr lang="en-US"/>
-          </a:p>
-        </p:txBody>
-      </p:sp>
-      <p:pic>
-        <p:nvPicPr>
-          <p:cNvPr id="3" name="Рисунок 2">
-            <a:extLst>
-              <a:ext uri="{FF2B5EF4-FFF2-40B4-BE49-F238E27FC236}">
-                <a16:creationId xmlns:a16="http://schemas.microsoft.com/office/drawing/2014/main" id="{38DA1AA1-4111-DE52-4106-A347C79EE893}"/>
-              </a:ext>
-            </a:extLst>
-          </p:cNvPr>
-          <p:cNvPicPr>
-            <a:picLocks noChangeAspect="1"/>
-          </p:cNvPicPr>
-          <p:nvPr/>
-        </p:nvPicPr>
-        <p:blipFill>
-          <a:blip r:embed="rId2">
-            <a:extLst>
-              <a:ext uri="{28A0092B-C50C-407E-A947-70E740481C1C}">
-                <a14:useLocalDpi xmlns:a14="http://schemas.microsoft.com/office/drawing/2010/main" val="0"/>
-              </a:ext>
-            </a:extLst>
-          </a:blip>
-          <a:stretch>
-            <a:fillRect/>
-          </a:stretch>
-        </p:blipFill>
-        <p:spPr bwMode="auto">
-          <a:xfrm>
-            <a:off x="1365855" y="1394981"/>
-            <a:ext cx="9934606" cy="2210450"/>
-          </a:xfrm>
-          <a:prstGeom prst="rect">
-            <a:avLst/>
-          </a:prstGeom>
-          <a:noFill/>
-          <a:effectLst>
-            <a:outerShdw blurRad="406400" dist="317500" dir="5400000" sx="89000" sy="89000" rotWithShape="0">
-              <a:prstClr val="black">
-                <a:alpha val="15000"/>
-              </a:prstClr>
-            </a:outerShdw>
-          </a:effectLst>
-        </p:spPr>
-      </p:pic>
-    </p:spTree>
-    <p:extLst>
-      <p:ext uri="{BB962C8B-B14F-4D97-AF65-F5344CB8AC3E}">
-        <p14:creationId xmlns:p14="http://schemas.microsoft.com/office/powerpoint/2010/main" val="2822055263"/>
-      </p:ext>
-    </p:extLst>
-  </p:cSld>
-  <p:clrMapOvr>
-    <a:masterClrMapping/>
-  </p:clrMapOvr>
-</p:sld>
-</file>
-
-<file path=ppt/slides/slide4.xml><?xml version="1.0" encoding="utf-8"?>
-<p:sld xmlns:a="http://schemas.openxmlformats.org/drawingml/2006/main" xmlns:r="http://schemas.openxmlformats.org/officeDocument/2006/relationships" xmlns:p="http://schemas.openxmlformats.org/presentationml/2006/main">
-  <p:cSld>
-    <p:bg>
-      <p:bgPr>
-        <a:solidFill>
-          <a:schemeClr val="bg1"/>
-        </a:solidFill>
-        <a:effectLst/>
-      </p:bgPr>
-    </p:bg>
-    <p:spTree>
-      <p:nvGrpSpPr>
-        <p:cNvPr id="1" name=""/>
-        <p:cNvGrpSpPr/>
-        <p:nvPr/>
-      </p:nvGrpSpPr>
-      <p:grpSpPr>
-        <a:xfrm>
-          <a:off x="0" y="0"/>
-          <a:ext cx="0" cy="0"/>
-          <a:chOff x="0" y="0"/>
-          <a:chExt cx="0" cy="0"/>
-        </a:xfrm>
-      </p:grpSpPr>
-      <p:sp useBgFill="1">
-        <p:nvSpPr>
-          <p:cNvPr id="10" name="Rectangle 9">
-            <a:extLst>
-              <a:ext uri="{FF2B5EF4-FFF2-40B4-BE49-F238E27FC236}">
-                <a16:creationId xmlns:a16="http://schemas.microsoft.com/office/drawing/2014/main" id="{EB270761-CC40-4F3F-A916-7E3BC3989348}"/>
-              </a:ext>
-              <a:ext uri="{C183D7F6-B498-43B3-948B-1728B52AA6E4}">
-                <adec:decorative xmlns:adec="http://schemas.microsoft.com/office/drawing/2017/decorative" val="1"/>
-              </a:ext>
-            </a:extLst>
-          </p:cNvPr>
-          <p:cNvSpPr>
-            <a:spLocks noGrp="1" noRot="1" noChangeAspect="1" noMove="1" noResize="1" noEditPoints="1" noAdjustHandles="1" noChangeArrowheads="1" noChangeShapeType="1" noTextEdit="1"/>
-          </p:cNvSpPr>
-          <p:nvPr>
-            <p:extLst>
-              <p:ext uri="{386F3935-93C4-4BCD-93E2-E3B085C9AB24}">
-                <p16:designElem xmlns:p16="http://schemas.microsoft.com/office/powerpoint/2015/main" val="1"/>
-              </p:ext>
-            </p:extLst>
-          </p:nvPr>
-        </p:nvSpPr>
-        <p:spPr>
-          <a:xfrm>
-            <a:off x="-1" y="0"/>
-            <a:ext cx="12191695" cy="6858000"/>
-          </a:xfrm>
-          <a:prstGeom prst="rect">
-            <a:avLst/>
-          </a:prstGeom>
-          <a:ln>
-            <a:noFill/>
-          </a:ln>
-        </p:spPr>
-        <p:style>
-          <a:lnRef idx="2">
-            <a:schemeClr val="accent1">
-              <a:shade val="50000"/>
-            </a:schemeClr>
-          </a:lnRef>
-          <a:fillRef idx="1">
-            <a:schemeClr val="accent1"/>
-          </a:fillRef>
-          <a:effectRef idx="0">
-            <a:schemeClr val="accent1"/>
-          </a:effectRef>
-          <a:fontRef idx="minor">
-            <a:schemeClr val="lt1"/>
-          </a:fontRef>
-        </p:style>
-        <p:txBody>
-          <a:bodyPr rtlCol="0" anchor="ctr"/>
-          <a:lstStyle/>
-          <a:p>
-            <a:pPr algn="ctr"/>
-            <a:endParaRPr lang="en-US"/>
-          </a:p>
-        </p:txBody>
-      </p:sp>
-      <p:sp>
-        <p:nvSpPr>
-          <p:cNvPr id="2" name="Заголовок 1"/>
-          <p:cNvSpPr>
-            <a:spLocks noGrp="1"/>
-          </p:cNvSpPr>
-          <p:nvPr>
-            <p:ph type="title"/>
-          </p:nvPr>
-        </p:nvSpPr>
-        <p:spPr>
-          <a:xfrm>
-            <a:off x="1366160" y="4376508"/>
-            <a:ext cx="9623404" cy="1257202"/>
-          </a:xfrm>
-        </p:spPr>
-        <p:txBody>
-          <a:bodyPr vert="horz" lIns="91440" tIns="45720" rIns="91440" bIns="45720" rtlCol="0" anchor="b">
-            <a:normAutofit/>
-          </a:bodyPr>
-          <a:lstStyle/>
-          <a:p>
-            <a:r>
-              <a:rPr lang="en-US" sz="6100" kern="1200">
-                <a:solidFill>
-                  <a:schemeClr val="tx1"/>
-                </a:solidFill>
-                <a:latin typeface="+mj-lt"/>
-                <a:ea typeface="+mj-ea"/>
-                <a:cs typeface="+mj-cs"/>
-              </a:rPr>
-              <a:t>Второй этап нормализации</a:t>
-            </a:r>
-          </a:p>
-        </p:txBody>
-      </p:sp>
-      <p:sp>
-        <p:nvSpPr>
-          <p:cNvPr id="12" name="Rectangle 11">
-            <a:extLst>
-              <a:ext uri="{FF2B5EF4-FFF2-40B4-BE49-F238E27FC236}">
-                <a16:creationId xmlns:a16="http://schemas.microsoft.com/office/drawing/2014/main" id="{A2555B16-BE1D-4C33-A27C-FF0671B6C94C}"/>
-              </a:ext>
-              <a:ext uri="{C183D7F6-B498-43B3-948B-1728B52AA6E4}">
-                <adec:decorative xmlns:adec="http://schemas.microsoft.com/office/drawing/2017/decorative" val="1"/>
-              </a:ext>
-            </a:extLst>
-          </p:cNvPr>
-          <p:cNvSpPr>
-            <a:spLocks noGrp="1" noRot="1" noChangeAspect="1" noMove="1" noResize="1" noEditPoints="1" noAdjustHandles="1" noChangeArrowheads="1" noChangeShapeType="1" noTextEdit="1"/>
-          </p:cNvSpPr>
-          <p:nvPr>
-            <p:extLst>
-              <p:ext uri="{386F3935-93C4-4BCD-93E2-E3B085C9AB24}">
-                <p16:designElem xmlns:p16="http://schemas.microsoft.com/office/powerpoint/2015/main" val="1"/>
-              </p:ext>
-            </p:extLst>
-          </p:nvPr>
-        </p:nvSpPr>
-        <p:spPr>
-          <a:xfrm>
-            <a:off x="0" y="891540"/>
-            <a:ext cx="722376" cy="5071110"/>
-          </a:xfrm>
-          <a:prstGeom prst="rect">
-            <a:avLst/>
-          </a:prstGeom>
-          <a:solidFill>
-            <a:srgbClr val="4C5254"/>
-          </a:solidFill>
-          <a:ln>
-            <a:noFill/>
-          </a:ln>
-        </p:spPr>
-        <p:style>
-          <a:lnRef idx="2">
-            <a:schemeClr val="accent1">
-              <a:shade val="50000"/>
-            </a:schemeClr>
-          </a:lnRef>
-          <a:fillRef idx="1">
-            <a:schemeClr val="accent1"/>
-          </a:fillRef>
-          <a:effectRef idx="0">
-            <a:schemeClr val="accent1"/>
-          </a:effectRef>
-          <a:fontRef idx="minor">
-            <a:schemeClr val="lt1"/>
-          </a:fontRef>
-        </p:style>
-        <p:txBody>
-          <a:bodyPr rtlCol="0" anchor="ctr"/>
-          <a:lstStyle/>
-          <a:p>
-            <a:pPr algn="ctr"/>
-            <a:endParaRPr lang="en-US"/>
-          </a:p>
-        </p:txBody>
-      </p:sp>
-      <p:pic>
-        <p:nvPicPr>
-          <p:cNvPr id="3" name="Рисунок 2">
-            <a:extLst>
-              <a:ext uri="{FF2B5EF4-FFF2-40B4-BE49-F238E27FC236}">
-                <a16:creationId xmlns:a16="http://schemas.microsoft.com/office/drawing/2014/main" id="{F091CF9F-26EE-FC67-59D8-8F739FBD37B4}"/>
-              </a:ext>
-            </a:extLst>
-          </p:cNvPr>
-          <p:cNvPicPr>
-            <a:picLocks noChangeAspect="1"/>
-          </p:cNvPicPr>
-          <p:nvPr/>
-        </p:nvPicPr>
-        <p:blipFill>
-          <a:blip r:embed="rId2">
-            <a:extLst>
-              <a:ext uri="{28A0092B-C50C-407E-A947-70E740481C1C}">
-                <a14:useLocalDpi xmlns:a14="http://schemas.microsoft.com/office/drawing/2010/main" val="0"/>
-              </a:ext>
-            </a:extLst>
-          </a:blip>
-          <a:stretch>
-            <a:fillRect/>
-          </a:stretch>
-        </p:blipFill>
-        <p:spPr bwMode="auto">
-          <a:xfrm>
-            <a:off x="1365855" y="891540"/>
-            <a:ext cx="9532837" cy="3217333"/>
-          </a:xfrm>
-          <a:prstGeom prst="rect">
-            <a:avLst/>
-          </a:prstGeom>
-          <a:noFill/>
-          <a:effectLst>
-            <a:outerShdw blurRad="406400" dist="317500" dir="5400000" sx="89000" sy="89000" rotWithShape="0">
-              <a:prstClr val="black">
-                <a:alpha val="15000"/>
-              </a:prstClr>
-            </a:outerShdw>
-          </a:effectLst>
-        </p:spPr>
-      </p:pic>
-    </p:spTree>
-    <p:extLst>
-      <p:ext uri="{BB962C8B-B14F-4D97-AF65-F5344CB8AC3E}">
-        <p14:creationId xmlns:p14="http://schemas.microsoft.com/office/powerpoint/2010/main" val="1666024653"/>
-      </p:ext>
-    </p:extLst>
-  </p:cSld>
-  <p:clrMapOvr>
-    <a:masterClrMapping/>
-  </p:clrMapOvr>
-</p:sld>
-</file>
-
-<file path=ppt/slides/slide5.xml><?xml version="1.0" encoding="utf-8"?>
-<p:sld xmlns:a="http://schemas.openxmlformats.org/drawingml/2006/main" xmlns:r="http://schemas.openxmlformats.org/officeDocument/2006/relationships" xmlns:p="http://schemas.openxmlformats.org/presentationml/2006/main">
-  <p:cSld>
-    <p:bg>
-      <p:bgPr>
-        <a:solidFill>
-          <a:schemeClr val="bg1"/>
-        </a:solidFill>
-        <a:effectLst/>
-      </p:bgPr>
-    </p:bg>
-    <p:spTree>
-      <p:nvGrpSpPr>
-        <p:cNvPr id="1" name=""/>
-        <p:cNvGrpSpPr/>
-        <p:nvPr/>
-      </p:nvGrpSpPr>
-      <p:grpSpPr>
-        <a:xfrm>
-          <a:off x="0" y="0"/>
-          <a:ext cx="0" cy="0"/>
-          <a:chOff x="0" y="0"/>
-          <a:chExt cx="0" cy="0"/>
-        </a:xfrm>
-      </p:grpSpPr>
-      <p:sp useBgFill="1">
-        <p:nvSpPr>
-          <p:cNvPr id="10" name="Rectangle 9">
-            <a:extLst>
-              <a:ext uri="{FF2B5EF4-FFF2-40B4-BE49-F238E27FC236}">
-                <a16:creationId xmlns:a16="http://schemas.microsoft.com/office/drawing/2014/main" id="{EB270761-CC40-4F3F-A916-7E3BC3989348}"/>
-              </a:ext>
-              <a:ext uri="{C183D7F6-B498-43B3-948B-1728B52AA6E4}">
-                <adec:decorative xmlns:adec="http://schemas.microsoft.com/office/drawing/2017/decorative" val="1"/>
-              </a:ext>
-            </a:extLst>
-          </p:cNvPr>
-          <p:cNvSpPr>
-            <a:spLocks noGrp="1" noRot="1" noChangeAspect="1" noMove="1" noResize="1" noEditPoints="1" noAdjustHandles="1" noChangeArrowheads="1" noChangeShapeType="1" noTextEdit="1"/>
-          </p:cNvSpPr>
-          <p:nvPr>
-            <p:extLst>
-              <p:ext uri="{386F3935-93C4-4BCD-93E2-E3B085C9AB24}">
-                <p16:designElem xmlns:p16="http://schemas.microsoft.com/office/powerpoint/2015/main" val="1"/>
-              </p:ext>
-            </p:extLst>
-          </p:nvPr>
-        </p:nvSpPr>
-        <p:spPr>
-          <a:xfrm>
-            <a:off x="-1" y="0"/>
-            <a:ext cx="12191695" cy="6858000"/>
-          </a:xfrm>
-          <a:prstGeom prst="rect">
-            <a:avLst/>
-          </a:prstGeom>
-          <a:ln>
-            <a:noFill/>
-          </a:ln>
-        </p:spPr>
-        <p:style>
-          <a:lnRef idx="2">
-            <a:schemeClr val="accent1">
-              <a:shade val="50000"/>
-            </a:schemeClr>
-          </a:lnRef>
-          <a:fillRef idx="1">
-            <a:schemeClr val="accent1"/>
-          </a:fillRef>
-          <a:effectRef idx="0">
-            <a:schemeClr val="accent1"/>
-          </a:effectRef>
-          <a:fontRef idx="minor">
-            <a:schemeClr val="lt1"/>
-          </a:fontRef>
-        </p:style>
-        <p:txBody>
-          <a:bodyPr rtlCol="0" anchor="ctr"/>
-          <a:lstStyle/>
-          <a:p>
-            <a:pPr algn="ctr"/>
-            <a:endParaRPr lang="en-US"/>
-          </a:p>
-        </p:txBody>
-      </p:sp>
-      <p:sp>
-        <p:nvSpPr>
-          <p:cNvPr id="2" name="Заголовок 1"/>
-          <p:cNvSpPr>
-            <a:spLocks noGrp="1"/>
-          </p:cNvSpPr>
-          <p:nvPr>
-            <p:ph type="title"/>
-          </p:nvPr>
-        </p:nvSpPr>
-        <p:spPr>
-          <a:xfrm>
-            <a:off x="1366160" y="4376508"/>
-            <a:ext cx="9623404" cy="1257202"/>
-          </a:xfrm>
-        </p:spPr>
-        <p:txBody>
-          <a:bodyPr vert="horz" lIns="91440" tIns="45720" rIns="91440" bIns="45720" rtlCol="0" anchor="b">
-            <a:normAutofit/>
-          </a:bodyPr>
-          <a:lstStyle/>
-          <a:p>
-            <a:r>
-              <a:rPr lang="en-US" sz="5600" kern="1200">
-                <a:solidFill>
-                  <a:schemeClr val="tx1"/>
-                </a:solidFill>
-                <a:latin typeface="+mj-lt"/>
-                <a:ea typeface="+mj-ea"/>
-                <a:cs typeface="+mj-cs"/>
-              </a:rPr>
-              <a:t>Концептуальная схема данных</a:t>
-            </a:r>
-          </a:p>
-        </p:txBody>
-      </p:sp>
-      <p:sp>
-        <p:nvSpPr>
-          <p:cNvPr id="12" name="Rectangle 11">
-            <a:extLst>
-              <a:ext uri="{FF2B5EF4-FFF2-40B4-BE49-F238E27FC236}">
-                <a16:creationId xmlns:a16="http://schemas.microsoft.com/office/drawing/2014/main" id="{A2555B16-BE1D-4C33-A27C-FF0671B6C94C}"/>
-              </a:ext>
-              <a:ext uri="{C183D7F6-B498-43B3-948B-1728B52AA6E4}">
-                <adec:decorative xmlns:adec="http://schemas.microsoft.com/office/drawing/2017/decorative" val="1"/>
-              </a:ext>
-            </a:extLst>
-          </p:cNvPr>
-          <p:cNvSpPr>
-            <a:spLocks noGrp="1" noRot="1" noChangeAspect="1" noMove="1" noResize="1" noEditPoints="1" noAdjustHandles="1" noChangeArrowheads="1" noChangeShapeType="1" noTextEdit="1"/>
-          </p:cNvSpPr>
-          <p:nvPr>
-            <p:extLst>
-              <p:ext uri="{386F3935-93C4-4BCD-93E2-E3B085C9AB24}">
-                <p16:designElem xmlns:p16="http://schemas.microsoft.com/office/powerpoint/2015/main" val="1"/>
-              </p:ext>
-            </p:extLst>
-          </p:nvPr>
-        </p:nvSpPr>
-        <p:spPr>
-          <a:xfrm>
-            <a:off x="0" y="891540"/>
-            <a:ext cx="722376" cy="5071110"/>
-          </a:xfrm>
-          <a:prstGeom prst="rect">
-            <a:avLst/>
-          </a:prstGeom>
-          <a:solidFill>
-            <a:srgbClr val="4C5254"/>
-          </a:solidFill>
-          <a:ln>
-            <a:noFill/>
-          </a:ln>
-        </p:spPr>
-        <p:style>
-          <a:lnRef idx="2">
-            <a:schemeClr val="accent1">
-              <a:shade val="50000"/>
-            </a:schemeClr>
-          </a:lnRef>
-          <a:fillRef idx="1">
-            <a:schemeClr val="accent1"/>
-          </a:fillRef>
-          <a:effectRef idx="0">
-            <a:schemeClr val="accent1"/>
-          </a:effectRef>
-          <a:fontRef idx="minor">
-            <a:schemeClr val="lt1"/>
-          </a:fontRef>
-        </p:style>
-        <p:txBody>
-          <a:bodyPr rtlCol="0" anchor="ctr"/>
-          <a:lstStyle/>
-          <a:p>
-            <a:pPr algn="ctr"/>
-            <a:endParaRPr lang="en-US"/>
-          </a:p>
-        </p:txBody>
-      </p:sp>
-      <p:pic>
-        <p:nvPicPr>
-          <p:cNvPr id="3" name="Рисунок 2">
-            <a:extLst>
-              <a:ext uri="{FF2B5EF4-FFF2-40B4-BE49-F238E27FC236}">
-                <a16:creationId xmlns:a16="http://schemas.microsoft.com/office/drawing/2014/main" id="{F74D105A-1612-8E98-689F-164A9A3A85FA}"/>
-              </a:ext>
-            </a:extLst>
-          </p:cNvPr>
-          <p:cNvPicPr>
-            <a:picLocks noChangeAspect="1"/>
-          </p:cNvPicPr>
-          <p:nvPr/>
-        </p:nvPicPr>
-        <p:blipFill>
-          <a:blip r:embed="rId2">
-            <a:extLst>
-              <a:ext uri="{28A0092B-C50C-407E-A947-70E740481C1C}">
-                <a14:useLocalDpi xmlns:a14="http://schemas.microsoft.com/office/drawing/2010/main" val="0"/>
-              </a:ext>
-            </a:extLst>
-          </a:blip>
-          <a:stretch>
-            <a:fillRect/>
-          </a:stretch>
-        </p:blipFill>
-        <p:spPr bwMode="auto">
-          <a:xfrm>
-            <a:off x="2794602" y="891540"/>
-            <a:ext cx="6602488" cy="3499319"/>
-          </a:xfrm>
-          <a:prstGeom prst="rect">
-            <a:avLst/>
-          </a:prstGeom>
-          <a:noFill/>
-          <a:effectLst>
-            <a:outerShdw blurRad="406400" dist="317500" dir="5400000" sx="89000" sy="89000" rotWithShape="0">
-              <a:prstClr val="black">
-                <a:alpha val="15000"/>
-              </a:prstClr>
-            </a:outerShdw>
-          </a:effectLst>
-        </p:spPr>
-      </p:pic>
-    </p:spTree>
-    <p:extLst>
-      <p:ext uri="{BB962C8B-B14F-4D97-AF65-F5344CB8AC3E}">
-        <p14:creationId xmlns:p14="http://schemas.microsoft.com/office/powerpoint/2010/main" val="1856383230"/>
-      </p:ext>
-    </p:extLst>
-  </p:cSld>
-  <p:clrMapOvr>
-    <a:masterClrMapping/>
-  </p:clrMapOvr>
-</p:sld>
-</file>
-
-<file path=ppt/slides/slide6.xml><?xml version="1.0" encoding="utf-8"?>
 <p:sld xmlns:a="http://schemas.openxmlformats.org/drawingml/2006/main" xmlns:r="http://schemas.openxmlformats.org/officeDocument/2006/relationships" xmlns:p="http://schemas.openxmlformats.org/presentationml/2006/main">
   <p:cSld>
     <p:bg>
@@ -4696,556 +3373,7 @@
 </p:sld>
 </file>
 
-<file path=ppt/slides/slide7.xml><?xml version="1.0" encoding="utf-8"?>
-<p:sld xmlns:a="http://schemas.openxmlformats.org/drawingml/2006/main" xmlns:r="http://schemas.openxmlformats.org/officeDocument/2006/relationships" xmlns:p="http://schemas.openxmlformats.org/presentationml/2006/main">
-  <p:cSld>
-    <p:bg>
-      <p:bgPr>
-        <a:solidFill>
-          <a:schemeClr val="bg1"/>
-        </a:solidFill>
-        <a:effectLst/>
-      </p:bgPr>
-    </p:bg>
-    <p:spTree>
-      <p:nvGrpSpPr>
-        <p:cNvPr id="1" name=""/>
-        <p:cNvGrpSpPr/>
-        <p:nvPr/>
-      </p:nvGrpSpPr>
-      <p:grpSpPr>
-        <a:xfrm>
-          <a:off x="0" y="0"/>
-          <a:ext cx="0" cy="0"/>
-          <a:chOff x="0" y="0"/>
-          <a:chExt cx="0" cy="0"/>
-        </a:xfrm>
-      </p:grpSpPr>
-      <p:sp useBgFill="1">
-        <p:nvSpPr>
-          <p:cNvPr id="8" name="Rectangle 7">
-            <a:extLst>
-              <a:ext uri="{FF2B5EF4-FFF2-40B4-BE49-F238E27FC236}">
-                <a16:creationId xmlns:a16="http://schemas.microsoft.com/office/drawing/2014/main" id="{30125909-2F96-440C-AA59-4A225C6E5B8C}"/>
-              </a:ext>
-              <a:ext uri="{C183D7F6-B498-43B3-948B-1728B52AA6E4}">
-                <adec:decorative xmlns:adec="http://schemas.microsoft.com/office/drawing/2017/decorative" val="1"/>
-              </a:ext>
-            </a:extLst>
-          </p:cNvPr>
-          <p:cNvSpPr>
-            <a:spLocks noGrp="1" noRot="1" noChangeAspect="1" noMove="1" noResize="1" noEditPoints="1" noAdjustHandles="1" noChangeArrowheads="1" noChangeShapeType="1" noTextEdit="1"/>
-          </p:cNvSpPr>
-          <p:nvPr>
-            <p:extLst>
-              <p:ext uri="{386F3935-93C4-4BCD-93E2-E3B085C9AB24}">
-                <p16:designElem xmlns:p16="http://schemas.microsoft.com/office/powerpoint/2015/main" val="1"/>
-              </p:ext>
-            </p:extLst>
-          </p:nvPr>
-        </p:nvSpPr>
-        <p:spPr>
-          <a:xfrm>
-            <a:off x="-1" y="0"/>
-            <a:ext cx="12191695" cy="6858000"/>
-          </a:xfrm>
-          <a:prstGeom prst="rect">
-            <a:avLst/>
-          </a:prstGeom>
-          <a:ln>
-            <a:noFill/>
-          </a:ln>
-        </p:spPr>
-        <p:style>
-          <a:lnRef idx="2">
-            <a:schemeClr val="accent1">
-              <a:shade val="50000"/>
-            </a:schemeClr>
-          </a:lnRef>
-          <a:fillRef idx="1">
-            <a:schemeClr val="accent1"/>
-          </a:fillRef>
-          <a:effectRef idx="0">
-            <a:schemeClr val="accent1"/>
-          </a:effectRef>
-          <a:fontRef idx="minor">
-            <a:schemeClr val="lt1"/>
-          </a:fontRef>
-        </p:style>
-        <p:txBody>
-          <a:bodyPr rtlCol="0" anchor="ctr"/>
-          <a:lstStyle/>
-          <a:p>
-            <a:pPr algn="ctr"/>
-            <a:endParaRPr lang="en-US"/>
-          </a:p>
-        </p:txBody>
-      </p:sp>
-      <p:sp>
-        <p:nvSpPr>
-          <p:cNvPr id="2" name="Заголовок 1"/>
-          <p:cNvSpPr>
-            <a:spLocks noGrp="1"/>
-          </p:cNvSpPr>
-          <p:nvPr>
-            <p:ph type="title"/>
-          </p:nvPr>
-        </p:nvSpPr>
-        <p:spPr>
-          <a:xfrm>
-            <a:off x="8036434" y="891541"/>
-            <a:ext cx="3433187" cy="4074074"/>
-          </a:xfrm>
-        </p:spPr>
-        <p:txBody>
-          <a:bodyPr vert="horz" lIns="91440" tIns="45720" rIns="91440" bIns="45720" rtlCol="0" anchor="b">
-            <a:normAutofit/>
-          </a:bodyPr>
-          <a:lstStyle/>
-          <a:p>
-            <a:r>
-              <a:rPr lang="en-US" sz="5100" kern="1200">
-                <a:solidFill>
-                  <a:schemeClr val="tx1"/>
-                </a:solidFill>
-                <a:latin typeface="+mj-lt"/>
-                <a:ea typeface="+mj-ea"/>
-                <a:cs typeface="+mj-cs"/>
-              </a:rPr>
-              <a:t>Физическая модель данных </a:t>
-            </a:r>
-          </a:p>
-        </p:txBody>
-      </p:sp>
-      <p:sp>
-        <p:nvSpPr>
-          <p:cNvPr id="10" name="Rectangle 9">
-            <a:extLst>
-              <a:ext uri="{FF2B5EF4-FFF2-40B4-BE49-F238E27FC236}">
-                <a16:creationId xmlns:a16="http://schemas.microsoft.com/office/drawing/2014/main" id="{16D99491-70BE-4B1A-B91F-A5A23F3AC2CD}"/>
-              </a:ext>
-              <a:ext uri="{C183D7F6-B498-43B3-948B-1728B52AA6E4}">
-                <adec:decorative xmlns:adec="http://schemas.microsoft.com/office/drawing/2017/decorative" val="1"/>
-              </a:ext>
-            </a:extLst>
-          </p:cNvPr>
-          <p:cNvSpPr>
-            <a:spLocks noGrp="1" noRot="1" noChangeAspect="1" noMove="1" noResize="1" noEditPoints="1" noAdjustHandles="1" noChangeArrowheads="1" noChangeShapeType="1" noTextEdit="1"/>
-          </p:cNvSpPr>
-          <p:nvPr>
-            <p:extLst>
-              <p:ext uri="{386F3935-93C4-4BCD-93E2-E3B085C9AB24}">
-                <p16:designElem xmlns:p16="http://schemas.microsoft.com/office/powerpoint/2015/main" val="1"/>
-              </p:ext>
-            </p:extLst>
-          </p:nvPr>
-        </p:nvSpPr>
-        <p:spPr>
-          <a:xfrm>
-            <a:off x="0" y="891540"/>
-            <a:ext cx="722376" cy="5071110"/>
-          </a:xfrm>
-          <a:prstGeom prst="rect">
-            <a:avLst/>
-          </a:prstGeom>
-          <a:solidFill>
-            <a:srgbClr val="4C5254"/>
-          </a:solidFill>
-          <a:ln>
-            <a:noFill/>
-          </a:ln>
-        </p:spPr>
-        <p:style>
-          <a:lnRef idx="2">
-            <a:schemeClr val="accent1">
-              <a:shade val="50000"/>
-            </a:schemeClr>
-          </a:lnRef>
-          <a:fillRef idx="1">
-            <a:schemeClr val="accent1"/>
-          </a:fillRef>
-          <a:effectRef idx="0">
-            <a:schemeClr val="accent1"/>
-          </a:effectRef>
-          <a:fontRef idx="minor">
-            <a:schemeClr val="lt1"/>
-          </a:fontRef>
-        </p:style>
-        <p:txBody>
-          <a:bodyPr rtlCol="0" anchor="ctr"/>
-          <a:lstStyle/>
-          <a:p>
-            <a:pPr algn="ctr"/>
-            <a:endParaRPr lang="en-US"/>
-          </a:p>
-        </p:txBody>
-      </p:sp>
-      <p:pic>
-        <p:nvPicPr>
-          <p:cNvPr id="3" name="Рисунок 2" descr="Изображение выглядит как текст, снимок экрана, внутренний&#10;&#10;Автоматически созданное описание">
-            <a:extLst>
-              <a:ext uri="{FF2B5EF4-FFF2-40B4-BE49-F238E27FC236}">
-                <a16:creationId xmlns:a16="http://schemas.microsoft.com/office/drawing/2014/main" id="{1DB38A9A-115C-5E69-7216-6F7372B0AF5A}"/>
-              </a:ext>
-            </a:extLst>
-          </p:cNvPr>
-          <p:cNvPicPr>
-            <a:picLocks noChangeAspect="1"/>
-          </p:cNvPicPr>
-          <p:nvPr/>
-        </p:nvPicPr>
-        <p:blipFill>
-          <a:blip r:embed="rId2"/>
-          <a:stretch>
-            <a:fillRect/>
-          </a:stretch>
-        </p:blipFill>
-        <p:spPr>
-          <a:xfrm>
-            <a:off x="1044109" y="1148256"/>
-            <a:ext cx="6308205" cy="4557677"/>
-          </a:xfrm>
-          <a:prstGeom prst="rect">
-            <a:avLst/>
-          </a:prstGeom>
-          <a:effectLst>
-            <a:outerShdw blurRad="406400" dist="317500" dir="5400000" sx="89000" sy="89000" rotWithShape="0">
-              <a:prstClr val="black">
-                <a:alpha val="15000"/>
-              </a:prstClr>
-            </a:outerShdw>
-          </a:effectLst>
-        </p:spPr>
-      </p:pic>
-    </p:spTree>
-    <p:extLst>
-      <p:ext uri="{BB962C8B-B14F-4D97-AF65-F5344CB8AC3E}">
-        <p14:creationId xmlns:p14="http://schemas.microsoft.com/office/powerpoint/2010/main" val="1498857969"/>
-      </p:ext>
-    </p:extLst>
-  </p:cSld>
-  <p:clrMapOvr>
-    <a:masterClrMapping/>
-  </p:clrMapOvr>
-</p:sld>
-</file>
-
-<file path=ppt/slides/slide8.xml><?xml version="1.0" encoding="utf-8"?>
-<p:sld xmlns:a="http://schemas.openxmlformats.org/drawingml/2006/main" xmlns:r="http://schemas.openxmlformats.org/officeDocument/2006/relationships" xmlns:p="http://schemas.openxmlformats.org/presentationml/2006/main">
-  <p:cSld>
-    <p:bg>
-      <p:bgPr>
-        <a:solidFill>
-          <a:schemeClr val="bg1"/>
-        </a:solidFill>
-        <a:effectLst/>
-      </p:bgPr>
-    </p:bg>
-    <p:spTree>
-      <p:nvGrpSpPr>
-        <p:cNvPr id="1" name=""/>
-        <p:cNvGrpSpPr/>
-        <p:nvPr/>
-      </p:nvGrpSpPr>
-      <p:grpSpPr>
-        <a:xfrm>
-          <a:off x="0" y="0"/>
-          <a:ext cx="0" cy="0"/>
-          <a:chOff x="0" y="0"/>
-          <a:chExt cx="0" cy="0"/>
-        </a:xfrm>
-      </p:grpSpPr>
-      <p:sp useBgFill="1">
-        <p:nvSpPr>
-          <p:cNvPr id="8" name="Rectangle 7">
-            <a:extLst>
-              <a:ext uri="{FF2B5EF4-FFF2-40B4-BE49-F238E27FC236}">
-                <a16:creationId xmlns:a16="http://schemas.microsoft.com/office/drawing/2014/main" id="{30125909-2F96-440C-AA59-4A225C6E5B8C}"/>
-              </a:ext>
-              <a:ext uri="{C183D7F6-B498-43B3-948B-1728B52AA6E4}">
-                <adec:decorative xmlns:adec="http://schemas.microsoft.com/office/drawing/2017/decorative" val="1"/>
-              </a:ext>
-            </a:extLst>
-          </p:cNvPr>
-          <p:cNvSpPr>
-            <a:spLocks noGrp="1" noRot="1" noChangeAspect="1" noMove="1" noResize="1" noEditPoints="1" noAdjustHandles="1" noChangeArrowheads="1" noChangeShapeType="1" noTextEdit="1"/>
-          </p:cNvSpPr>
-          <p:nvPr>
-            <p:extLst>
-              <p:ext uri="{386F3935-93C4-4BCD-93E2-E3B085C9AB24}">
-                <p16:designElem xmlns:p16="http://schemas.microsoft.com/office/powerpoint/2015/main" val="1"/>
-              </p:ext>
-            </p:extLst>
-          </p:nvPr>
-        </p:nvSpPr>
-        <p:spPr>
-          <a:xfrm>
-            <a:off x="-1" y="0"/>
-            <a:ext cx="12191695" cy="6858000"/>
-          </a:xfrm>
-          <a:prstGeom prst="rect">
-            <a:avLst/>
-          </a:prstGeom>
-          <a:ln>
-            <a:noFill/>
-          </a:ln>
-        </p:spPr>
-        <p:style>
-          <a:lnRef idx="2">
-            <a:schemeClr val="accent1">
-              <a:shade val="50000"/>
-            </a:schemeClr>
-          </a:lnRef>
-          <a:fillRef idx="1">
-            <a:schemeClr val="accent1"/>
-          </a:fillRef>
-          <a:effectRef idx="0">
-            <a:schemeClr val="accent1"/>
-          </a:effectRef>
-          <a:fontRef idx="minor">
-            <a:schemeClr val="lt1"/>
-          </a:fontRef>
-        </p:style>
-        <p:txBody>
-          <a:bodyPr rtlCol="0" anchor="ctr"/>
-          <a:lstStyle/>
-          <a:p>
-            <a:pPr algn="ctr"/>
-            <a:endParaRPr lang="en-US"/>
-          </a:p>
-        </p:txBody>
-      </p:sp>
-      <p:sp>
-        <p:nvSpPr>
-          <p:cNvPr id="2" name="Заголовок 1"/>
-          <p:cNvSpPr>
-            <a:spLocks noGrp="1"/>
-          </p:cNvSpPr>
-          <p:nvPr>
-            <p:ph type="title"/>
-          </p:nvPr>
-        </p:nvSpPr>
-        <p:spPr>
-          <a:xfrm>
-            <a:off x="8036434" y="891541"/>
-            <a:ext cx="3433187" cy="4074074"/>
-          </a:xfrm>
-        </p:spPr>
-        <p:txBody>
-          <a:bodyPr vert="horz" lIns="91440" tIns="45720" rIns="91440" bIns="45720" rtlCol="0" anchor="b">
-            <a:normAutofit/>
-          </a:bodyPr>
-          <a:lstStyle/>
-          <a:p>
-            <a:r>
-              <a:rPr lang="en-US" sz="5100" kern="1200" dirty="0" err="1">
-                <a:solidFill>
-                  <a:schemeClr val="tx1"/>
-                </a:solidFill>
-                <a:latin typeface="+mj-lt"/>
-                <a:ea typeface="+mj-ea"/>
-                <a:cs typeface="+mj-cs"/>
-              </a:rPr>
-              <a:t>Блок-схема</a:t>
-            </a:r>
-            <a:r>
-              <a:rPr lang="en-US" sz="5100" kern="1200" dirty="0">
-                <a:solidFill>
-                  <a:schemeClr val="tx1"/>
-                </a:solidFill>
-                <a:latin typeface="+mj-lt"/>
-                <a:ea typeface="+mj-ea"/>
-                <a:cs typeface="+mj-cs"/>
-              </a:rPr>
-              <a:t> </a:t>
-            </a:r>
-            <a:r>
-              <a:rPr lang="en-US" sz="5100" kern="1200" dirty="0" err="1">
-                <a:solidFill>
-                  <a:schemeClr val="tx1"/>
-                </a:solidFill>
-                <a:latin typeface="+mj-lt"/>
-                <a:ea typeface="+mj-ea"/>
-                <a:cs typeface="+mj-cs"/>
-              </a:rPr>
-              <a:t>алгоритма</a:t>
-            </a:r>
-            <a:r>
-              <a:rPr lang="en-US" sz="5100" kern="1200" dirty="0">
-                <a:solidFill>
-                  <a:schemeClr val="tx1"/>
-                </a:solidFill>
-                <a:latin typeface="+mj-lt"/>
-                <a:ea typeface="+mj-ea"/>
-                <a:cs typeface="+mj-cs"/>
-              </a:rPr>
-              <a:t> </a:t>
-            </a:r>
-            <a:r>
-              <a:rPr lang="en-US" sz="5100" kern="1200" dirty="0" err="1">
-                <a:solidFill>
-                  <a:schemeClr val="tx1"/>
-                </a:solidFill>
-                <a:latin typeface="+mj-lt"/>
-                <a:ea typeface="+mj-ea"/>
-                <a:cs typeface="+mj-cs"/>
-              </a:rPr>
-              <a:t>метода</a:t>
-            </a:r>
-            <a:r>
-              <a:rPr lang="en-US" sz="5100" kern="1200" dirty="0">
-                <a:solidFill>
-                  <a:schemeClr val="tx1"/>
-                </a:solidFill>
-                <a:latin typeface="+mj-lt"/>
-                <a:ea typeface="+mj-ea"/>
-                <a:cs typeface="+mj-cs"/>
-              </a:rPr>
-              <a:t> </a:t>
-            </a:r>
-            <a:r>
-              <a:rPr lang="en-US" sz="5100" kern="1200" dirty="0" err="1">
-                <a:solidFill>
-                  <a:schemeClr val="tx1"/>
-                </a:solidFill>
-                <a:latin typeface="+mj-lt"/>
-                <a:ea typeface="+mj-ea"/>
-                <a:cs typeface="+mj-cs"/>
-              </a:rPr>
-              <a:t>BookingAdd</a:t>
-            </a:r>
-            <a:endParaRPr lang="en-US" sz="5100" kern="1200" dirty="0">
-              <a:solidFill>
-                <a:schemeClr val="tx1"/>
-              </a:solidFill>
-              <a:latin typeface="+mj-lt"/>
-              <a:ea typeface="+mj-ea"/>
-              <a:cs typeface="+mj-cs"/>
-            </a:endParaRPr>
-          </a:p>
-        </p:txBody>
-      </p:sp>
-      <p:sp>
-        <p:nvSpPr>
-          <p:cNvPr id="10" name="Rectangle 9">
-            <a:extLst>
-              <a:ext uri="{FF2B5EF4-FFF2-40B4-BE49-F238E27FC236}">
-                <a16:creationId xmlns:a16="http://schemas.microsoft.com/office/drawing/2014/main" id="{16D99491-70BE-4B1A-B91F-A5A23F3AC2CD}"/>
-              </a:ext>
-              <a:ext uri="{C183D7F6-B498-43B3-948B-1728B52AA6E4}">
-                <adec:decorative xmlns:adec="http://schemas.microsoft.com/office/drawing/2017/decorative" val="1"/>
-              </a:ext>
-            </a:extLst>
-          </p:cNvPr>
-          <p:cNvSpPr>
-            <a:spLocks noGrp="1" noRot="1" noChangeAspect="1" noMove="1" noResize="1" noEditPoints="1" noAdjustHandles="1" noChangeArrowheads="1" noChangeShapeType="1" noTextEdit="1"/>
-          </p:cNvSpPr>
-          <p:nvPr>
-            <p:extLst>
-              <p:ext uri="{386F3935-93C4-4BCD-93E2-E3B085C9AB24}">
-                <p16:designElem xmlns:p16="http://schemas.microsoft.com/office/powerpoint/2015/main" val="1"/>
-              </p:ext>
-            </p:extLst>
-          </p:nvPr>
-        </p:nvSpPr>
-        <p:spPr>
-          <a:xfrm>
-            <a:off x="0" y="891540"/>
-            <a:ext cx="722376" cy="5071110"/>
-          </a:xfrm>
-          <a:prstGeom prst="rect">
-            <a:avLst/>
-          </a:prstGeom>
-          <a:solidFill>
-            <a:srgbClr val="4C5254"/>
-          </a:solidFill>
-          <a:ln>
-            <a:noFill/>
-          </a:ln>
-        </p:spPr>
-        <p:style>
-          <a:lnRef idx="2">
-            <a:schemeClr val="accent1">
-              <a:shade val="50000"/>
-            </a:schemeClr>
-          </a:lnRef>
-          <a:fillRef idx="1">
-            <a:schemeClr val="accent1"/>
-          </a:fillRef>
-          <a:effectRef idx="0">
-            <a:schemeClr val="accent1"/>
-          </a:effectRef>
-          <a:fontRef idx="minor">
-            <a:schemeClr val="lt1"/>
-          </a:fontRef>
-        </p:style>
-        <p:txBody>
-          <a:bodyPr rtlCol="0" anchor="ctr"/>
-          <a:lstStyle/>
-          <a:p>
-            <a:pPr algn="ctr"/>
-            <a:endParaRPr lang="en-US"/>
-          </a:p>
-        </p:txBody>
-      </p:sp>
-      <p:pic>
-        <p:nvPicPr>
-          <p:cNvPr id="3" name="Рисунок 2" descr="Изображение выглядит как текст&#10;&#10;Автоматически созданное описание">
-            <a:extLst>
-              <a:ext uri="{FF2B5EF4-FFF2-40B4-BE49-F238E27FC236}">
-                <a16:creationId xmlns:a16="http://schemas.microsoft.com/office/drawing/2014/main" id="{E7938091-E633-25A6-F2D4-F35F759E6E46}"/>
-              </a:ext>
-            </a:extLst>
-          </p:cNvPr>
-          <p:cNvPicPr>
-            <a:picLocks noChangeAspect="1"/>
-          </p:cNvPicPr>
-          <p:nvPr/>
-        </p:nvPicPr>
-        <p:blipFill>
-          <a:blip r:embed="rId2">
-            <a:extLst>
-              <a:ext uri="{28A0092B-C50C-407E-A947-70E740481C1C}">
-                <a14:useLocalDpi xmlns:a14="http://schemas.microsoft.com/office/drawing/2010/main" val="0"/>
-              </a:ext>
-            </a:extLst>
-          </a:blip>
-          <a:stretch>
-            <a:fillRect/>
-          </a:stretch>
-        </p:blipFill>
-        <p:spPr bwMode="auto">
-          <a:xfrm>
-            <a:off x="2845748" y="620670"/>
-            <a:ext cx="2892579" cy="5616660"/>
-          </a:xfrm>
-          <a:prstGeom prst="rect">
-            <a:avLst/>
-          </a:prstGeom>
-          <a:noFill/>
-          <a:effectLst>
-            <a:outerShdw blurRad="406400" dist="317500" dir="5400000" sx="89000" sy="89000" rotWithShape="0">
-              <a:prstClr val="black">
-                <a:alpha val="15000"/>
-              </a:prstClr>
-            </a:outerShdw>
-          </a:effectLst>
-        </p:spPr>
-      </p:pic>
-    </p:spTree>
-    <p:extLst>
-      <p:ext uri="{BB962C8B-B14F-4D97-AF65-F5344CB8AC3E}">
-        <p14:creationId xmlns:p14="http://schemas.microsoft.com/office/powerpoint/2010/main" val="1905774059"/>
-      </p:ext>
-    </p:extLst>
-  </p:cSld>
-  <p:clrMapOvr>
-    <a:masterClrMapping/>
-  </p:clrMapOvr>
-</p:sld>
-</file>
-
-<file path=ppt/slides/slide9.xml><?xml version="1.0" encoding="utf-8"?>
+<file path=ppt/slides/slide4.xml><?xml version="1.0" encoding="utf-8"?>
 <p:sld xmlns:a="http://schemas.openxmlformats.org/drawingml/2006/main" xmlns:r="http://schemas.openxmlformats.org/officeDocument/2006/relationships" xmlns:p="http://schemas.openxmlformats.org/presentationml/2006/main">
   <p:cSld>
     <p:bg>
@@ -5477,6 +3605,95 @@
     <p:extLst>
       <p:ext uri="{BB962C8B-B14F-4D97-AF65-F5344CB8AC3E}">
         <p14:creationId xmlns:p14="http://schemas.microsoft.com/office/powerpoint/2010/main" val="627281467"/>
+      </p:ext>
+    </p:extLst>
+  </p:cSld>
+  <p:clrMapOvr>
+    <a:masterClrMapping/>
+  </p:clrMapOvr>
+</p:sld>
+</file>
+
+<file path=ppt/slides/slide5.xml><?xml version="1.0" encoding="utf-8"?>
+<p:sld xmlns:a="http://schemas.openxmlformats.org/drawingml/2006/main" xmlns:r="http://schemas.openxmlformats.org/officeDocument/2006/relationships" xmlns:p="http://schemas.openxmlformats.org/presentationml/2006/main">
+  <p:cSld>
+    <p:spTree>
+      <p:nvGrpSpPr>
+        <p:cNvPr id="1" name=""/>
+        <p:cNvGrpSpPr/>
+        <p:nvPr/>
+      </p:nvGrpSpPr>
+      <p:grpSpPr>
+        <a:xfrm>
+          <a:off x="0" y="0"/>
+          <a:ext cx="0" cy="0"/>
+          <a:chOff x="0" y="0"/>
+          <a:chExt cx="0" cy="0"/>
+        </a:xfrm>
+      </p:grpSpPr>
+      <p:sp>
+        <p:nvSpPr>
+          <p:cNvPr id="2" name="Заголовок 1"/>
+          <p:cNvSpPr>
+            <a:spLocks noGrp="1"/>
+          </p:cNvSpPr>
+          <p:nvPr>
+            <p:ph type="title"/>
+          </p:nvPr>
+        </p:nvSpPr>
+        <p:spPr/>
+        <p:txBody>
+          <a:bodyPr/>
+          <a:lstStyle/>
+          <a:p>
+            <a:r>
+              <a:rPr lang="ru-RU" dirty="0"/>
+              <a:t>Достигнутые цели и задачи</a:t>
+            </a:r>
+          </a:p>
+        </p:txBody>
+      </p:sp>
+      <p:sp>
+        <p:nvSpPr>
+          <p:cNvPr id="3" name="Объект 2"/>
+          <p:cNvSpPr>
+            <a:spLocks noGrp="1"/>
+          </p:cNvSpPr>
+          <p:nvPr>
+            <p:ph idx="1"/>
+          </p:nvPr>
+        </p:nvSpPr>
+        <p:spPr/>
+        <p:txBody>
+          <a:bodyPr/>
+          <a:lstStyle/>
+          <a:p>
+            <a:pPr marL="342900" indent="-342900" algn="l">
+              <a:buFont typeface="Arial" panose="020B0604020202020204" pitchFamily="34" charset="0"/>
+              <a:buChar char="•"/>
+            </a:pPr>
+            <a:r>
+              <a:rPr lang="ru-RU" dirty="0"/>
+              <a:t>Разработано клиент серверное приложение с </a:t>
+            </a:r>
+            <a:r>
+              <a:rPr lang="ru-RU" sz="2800" dirty="0"/>
+              <a:t>функциями бронирования –авиа и железнодорожных билетов</a:t>
+            </a:r>
+          </a:p>
+          <a:p>
+            <a:pPr marL="342900" indent="-342900"/>
+            <a:r>
+              <a:rPr lang="ru-RU" dirty="0"/>
+              <a:t>Реализована панель администратора для администрирования базы данных</a:t>
+            </a:r>
+          </a:p>
+        </p:txBody>
+      </p:sp>
+    </p:spTree>
+    <p:extLst>
+      <p:ext uri="{BB962C8B-B14F-4D97-AF65-F5344CB8AC3E}">
+        <p14:creationId xmlns:p14="http://schemas.microsoft.com/office/powerpoint/2010/main" val="2139188012"/>
       </p:ext>
     </p:extLst>
   </p:cSld>
